--- a/old_useful/risk-aware.pptx
+++ b/old_useful/risk-aware.pptx
@@ -116,6 +116,22 @@
       </a:defRPr>
     </a:lvl9pPr>
   </p:defaultTextStyle>
+  <p:extLst>
+    <p:ext uri="{EFAFB233-063F-42B5-8137-9DF3F51BA10A}">
+      <p15:sldGuideLst xmlns:p15="http://schemas.microsoft.com/office/powerpoint/2012/main">
+        <p15:guide id="1" orient="horz" pos="2160">
+          <p15:clr>
+            <a:srgbClr val="A4A3A4"/>
+          </p15:clr>
+        </p15:guide>
+        <p15:guide id="2" pos="2880">
+          <p15:clr>
+            <a:srgbClr val="A4A3A4"/>
+          </p15:clr>
+        </p15:guide>
+      </p15:sldGuideLst>
+    </p:ext>
+  </p:extLst>
 </p:presentation>
 </file>
 
@@ -300,7 +316,7 @@
           <a:p>
             <a:fld id="{679C684B-FA62-419B-88D3-7976F9A1D8D8}" type="datetimeFigureOut">
               <a:rPr lang="en-CA" smtClean="0"/>
-              <a:t>2015-09-11</a:t>
+              <a:t>2017-04-12</a:t>
             </a:fld>
             <a:endParaRPr lang="en-CA"/>
           </a:p>
@@ -470,7 +486,7 @@
           <a:p>
             <a:fld id="{679C684B-FA62-419B-88D3-7976F9A1D8D8}" type="datetimeFigureOut">
               <a:rPr lang="en-CA" smtClean="0"/>
-              <a:t>2015-09-11</a:t>
+              <a:t>2017-04-12</a:t>
             </a:fld>
             <a:endParaRPr lang="en-CA"/>
           </a:p>
@@ -650,7 +666,7 @@
           <a:p>
             <a:fld id="{679C684B-FA62-419B-88D3-7976F9A1D8D8}" type="datetimeFigureOut">
               <a:rPr lang="en-CA" smtClean="0"/>
-              <a:t>2015-09-11</a:t>
+              <a:t>2017-04-12</a:t>
             </a:fld>
             <a:endParaRPr lang="en-CA"/>
           </a:p>
@@ -820,7 +836,7 @@
           <a:p>
             <a:fld id="{679C684B-FA62-419B-88D3-7976F9A1D8D8}" type="datetimeFigureOut">
               <a:rPr lang="en-CA" smtClean="0"/>
-              <a:t>2015-09-11</a:t>
+              <a:t>2017-04-12</a:t>
             </a:fld>
             <a:endParaRPr lang="en-CA"/>
           </a:p>
@@ -1066,7 +1082,7 @@
           <a:p>
             <a:fld id="{679C684B-FA62-419B-88D3-7976F9A1D8D8}" type="datetimeFigureOut">
               <a:rPr lang="en-CA" smtClean="0"/>
-              <a:t>2015-09-11</a:t>
+              <a:t>2017-04-12</a:t>
             </a:fld>
             <a:endParaRPr lang="en-CA"/>
           </a:p>
@@ -1354,7 +1370,7 @@
           <a:p>
             <a:fld id="{679C684B-FA62-419B-88D3-7976F9A1D8D8}" type="datetimeFigureOut">
               <a:rPr lang="en-CA" smtClean="0"/>
-              <a:t>2015-09-11</a:t>
+              <a:t>2017-04-12</a:t>
             </a:fld>
             <a:endParaRPr lang="en-CA"/>
           </a:p>
@@ -1776,7 +1792,7 @@
           <a:p>
             <a:fld id="{679C684B-FA62-419B-88D3-7976F9A1D8D8}" type="datetimeFigureOut">
               <a:rPr lang="en-CA" smtClean="0"/>
-              <a:t>2015-09-11</a:t>
+              <a:t>2017-04-12</a:t>
             </a:fld>
             <a:endParaRPr lang="en-CA"/>
           </a:p>
@@ -1894,7 +1910,7 @@
           <a:p>
             <a:fld id="{679C684B-FA62-419B-88D3-7976F9A1D8D8}" type="datetimeFigureOut">
               <a:rPr lang="en-CA" smtClean="0"/>
-              <a:t>2015-09-11</a:t>
+              <a:t>2017-04-12</a:t>
             </a:fld>
             <a:endParaRPr lang="en-CA"/>
           </a:p>
@@ -1989,7 +2005,7 @@
           <a:p>
             <a:fld id="{679C684B-FA62-419B-88D3-7976F9A1D8D8}" type="datetimeFigureOut">
               <a:rPr lang="en-CA" smtClean="0"/>
-              <a:t>2015-09-11</a:t>
+              <a:t>2017-04-12</a:t>
             </a:fld>
             <a:endParaRPr lang="en-CA"/>
           </a:p>
@@ -2266,7 +2282,7 @@
           <a:p>
             <a:fld id="{679C684B-FA62-419B-88D3-7976F9A1D8D8}" type="datetimeFigureOut">
               <a:rPr lang="en-CA" smtClean="0"/>
-              <a:t>2015-09-11</a:t>
+              <a:t>2017-04-12</a:t>
             </a:fld>
             <a:endParaRPr lang="en-CA"/>
           </a:p>
@@ -2519,7 +2535,7 @@
           <a:p>
             <a:fld id="{679C684B-FA62-419B-88D3-7976F9A1D8D8}" type="datetimeFigureOut">
               <a:rPr lang="en-CA" smtClean="0"/>
-              <a:t>2015-09-11</a:t>
+              <a:t>2017-04-12</a:t>
             </a:fld>
             <a:endParaRPr lang="en-CA"/>
           </a:p>
@@ -2732,7 +2748,7 @@
           <a:p>
             <a:fld id="{679C684B-FA62-419B-88D3-7976F9A1D8D8}" type="datetimeFigureOut">
               <a:rPr lang="en-CA" smtClean="0"/>
-              <a:t>2015-09-11</a:t>
+              <a:t>2017-04-12</a:t>
             </a:fld>
             <a:endParaRPr lang="en-CA"/>
           </a:p>
